--- a/VUE.pptx
+++ b/VUE.pptx
@@ -7,10 +7,11 @@
   <p:sldIdLst>
     <p:sldId id="256" r:id="rId2"/>
     <p:sldId id="258" r:id="rId3"/>
-    <p:sldId id="259" r:id="rId4"/>
-    <p:sldId id="260" r:id="rId5"/>
-    <p:sldId id="261" r:id="rId6"/>
+    <p:sldId id="260" r:id="rId4"/>
+    <p:sldId id="261" r:id="rId5"/>
+    <p:sldId id="259" r:id="rId6"/>
     <p:sldId id="257" r:id="rId7"/>
+    <p:sldId id="262" r:id="rId8"/>
   </p:sldIdLst>
   <p:sldSz cx="12192000" cy="6858000"/>
   <p:notesSz cx="6858000" cy="9144000"/>
@@ -307,7 +308,7 @@
           <a:p>
             <a:fld id="{4AAD347D-5ACD-4C99-B74B-A9C85AD731AF}" type="datetimeFigureOut">
               <a:rPr lang="en-US" dirty="0"/>
-              <a:t>9/13/2017</a:t>
+              <a:t>9/14/2017</a:t>
             </a:fld>
             <a:endParaRPr lang="en-US" dirty="0"/>
           </a:p>
@@ -577,7 +578,7 @@
           <a:p>
             <a:fld id="{4509A250-FF31-4206-8172-F9D3106AACB1}" type="datetimeFigureOut">
               <a:rPr lang="en-US" dirty="0"/>
-              <a:t>9/13/2017</a:t>
+              <a:t>9/14/2017</a:t>
             </a:fld>
             <a:endParaRPr lang="en-US" dirty="0"/>
           </a:p>
@@ -766,7 +767,7 @@
           <a:p>
             <a:fld id="{4509A250-FF31-4206-8172-F9D3106AACB1}" type="datetimeFigureOut">
               <a:rPr lang="en-US" dirty="0"/>
-              <a:t>9/13/2017</a:t>
+              <a:t>9/14/2017</a:t>
             </a:fld>
             <a:endParaRPr lang="en-US" dirty="0"/>
           </a:p>
@@ -1034,7 +1035,7 @@
           <a:p>
             <a:fld id="{4509A250-FF31-4206-8172-F9D3106AACB1}" type="datetimeFigureOut">
               <a:rPr lang="en-US" dirty="0"/>
-              <a:t>9/13/2017</a:t>
+              <a:t>9/14/2017</a:t>
             </a:fld>
             <a:endParaRPr lang="en-US" dirty="0"/>
           </a:p>
@@ -1370,7 +1371,7 @@
           <a:p>
             <a:fld id="{4509A250-FF31-4206-8172-F9D3106AACB1}" type="datetimeFigureOut">
               <a:rPr lang="en-US" dirty="0"/>
-              <a:t>9/13/2017</a:t>
+              <a:t>9/14/2017</a:t>
             </a:fld>
             <a:endParaRPr lang="en-US" dirty="0"/>
           </a:p>
@@ -1988,7 +1989,7 @@
           <a:p>
             <a:fld id="{4509A250-FF31-4206-8172-F9D3106AACB1}" type="datetimeFigureOut">
               <a:rPr lang="en-US" dirty="0"/>
-              <a:t>9/13/2017</a:t>
+              <a:t>9/14/2017</a:t>
             </a:fld>
             <a:endParaRPr lang="en-US" dirty="0"/>
           </a:p>
@@ -2843,7 +2844,7 @@
           <a:p>
             <a:fld id="{4509A250-FF31-4206-8172-F9D3106AACB1}" type="datetimeFigureOut">
               <a:rPr lang="en-US" dirty="0"/>
-              <a:t>9/13/2017</a:t>
+              <a:t>9/14/2017</a:t>
             </a:fld>
             <a:endParaRPr lang="en-US" dirty="0"/>
           </a:p>
@@ -3008,7 +3009,7 @@
           <a:p>
             <a:fld id="{4509A250-FF31-4206-8172-F9D3106AACB1}" type="datetimeFigureOut">
               <a:rPr lang="en-US" dirty="0"/>
-              <a:t>9/13/2017</a:t>
+              <a:t>9/14/2017</a:t>
             </a:fld>
             <a:endParaRPr lang="en-US" dirty="0"/>
           </a:p>
@@ -3183,7 +3184,7 @@
           <a:p>
             <a:fld id="{4509A250-FF31-4206-8172-F9D3106AACB1}" type="datetimeFigureOut">
               <a:rPr lang="en-US" dirty="0"/>
-              <a:t>9/13/2017</a:t>
+              <a:t>9/14/2017</a:t>
             </a:fld>
             <a:endParaRPr lang="en-US" dirty="0"/>
           </a:p>
@@ -3348,7 +3349,7 @@
           <a:p>
             <a:fld id="{4509A250-FF31-4206-8172-F9D3106AACB1}" type="datetimeFigureOut">
               <a:rPr lang="en-US" dirty="0"/>
-              <a:t>9/13/2017</a:t>
+              <a:t>9/14/2017</a:t>
             </a:fld>
             <a:endParaRPr lang="en-US" dirty="0"/>
           </a:p>
@@ -3590,7 +3591,7 @@
           <a:p>
             <a:fld id="{9796027F-7875-4030-9381-8BD8C4F21935}" type="datetimeFigureOut">
               <a:rPr lang="en-US" dirty="0"/>
-              <a:t>9/13/2017</a:t>
+              <a:t>9/14/2017</a:t>
             </a:fld>
             <a:endParaRPr lang="en-US" dirty="0"/>
           </a:p>
@@ -3877,7 +3878,7 @@
           <a:p>
             <a:fld id="{9796027F-7875-4030-9381-8BD8C4F21935}" type="datetimeFigureOut">
               <a:rPr lang="en-US" dirty="0"/>
-              <a:t>9/13/2017</a:t>
+              <a:t>9/14/2017</a:t>
             </a:fld>
             <a:endParaRPr lang="en-US" dirty="0"/>
           </a:p>
@@ -4316,7 +4317,7 @@
           <a:p>
             <a:fld id="{9796027F-7875-4030-9381-8BD8C4F21935}" type="datetimeFigureOut">
               <a:rPr lang="en-US" dirty="0"/>
-              <a:t>9/13/2017</a:t>
+              <a:t>9/14/2017</a:t>
             </a:fld>
             <a:endParaRPr lang="en-US" dirty="0"/>
           </a:p>
@@ -4429,7 +4430,7 @@
           <a:p>
             <a:fld id="{4509A250-FF31-4206-8172-F9D3106AACB1}" type="datetimeFigureOut">
               <a:rPr lang="en-US" dirty="0"/>
-              <a:t>9/13/2017</a:t>
+              <a:t>9/14/2017</a:t>
             </a:fld>
             <a:endParaRPr lang="en-US" dirty="0"/>
           </a:p>
@@ -4519,7 +4520,7 @@
           <a:p>
             <a:fld id="{4509A250-FF31-4206-8172-F9D3106AACB1}" type="datetimeFigureOut">
               <a:rPr lang="en-US" dirty="0"/>
-              <a:t>9/13/2017</a:t>
+              <a:t>9/14/2017</a:t>
             </a:fld>
             <a:endParaRPr lang="en-US" dirty="0"/>
           </a:p>
@@ -4793,7 +4794,7 @@
           <a:p>
             <a:fld id="{4509A250-FF31-4206-8172-F9D3106AACB1}" type="datetimeFigureOut">
               <a:rPr lang="en-US" dirty="0"/>
-              <a:t>9/13/2017</a:t>
+              <a:t>9/14/2017</a:t>
             </a:fld>
             <a:endParaRPr lang="en-US" dirty="0"/>
           </a:p>
@@ -5063,7 +5064,7 @@
           <a:p>
             <a:fld id="{4509A250-FF31-4206-8172-F9D3106AACB1}" type="datetimeFigureOut">
               <a:rPr lang="en-US" dirty="0"/>
-              <a:t>9/13/2017</a:t>
+              <a:t>9/14/2017</a:t>
             </a:fld>
             <a:endParaRPr lang="en-US" dirty="0"/>
           </a:p>
@@ -5487,7 +5488,7 @@
           <a:p>
             <a:fld id="{4AAD347D-5ACD-4C99-B74B-A9C85AD731AF}" type="datetimeFigureOut">
               <a:rPr lang="en-US" dirty="0"/>
-              <a:t>9/13/2017</a:t>
+              <a:t>9/14/2017</a:t>
             </a:fld>
             <a:endParaRPr lang="en-US" dirty="0"/>
           </a:p>
@@ -6156,20 +6157,20 @@
             <a:pPr lvl="1"/>
             <a:r>
               <a:rPr lang="en-US" dirty="0"/>
+              <a:t>Architecture</a:t>
+            </a:r>
+          </a:p>
+          <a:p>
+            <a:pPr lvl="1"/>
+            <a:r>
+              <a:rPr lang="en-US" dirty="0"/>
               <a:t>Comparison with other frameworks</a:t>
             </a:r>
           </a:p>
           <a:p>
-            <a:pPr lvl="1"/>
-            <a:r>
-              <a:rPr lang="en-US" dirty="0"/>
-              <a:t>Architecture</a:t>
-            </a:r>
-          </a:p>
-          <a:p>
-            <a:r>
-              <a:rPr lang="en-US" dirty="0"/>
-              <a:t>Implementing simple BC Wallet app (fake data)</a:t>
+            <a:r>
+              <a:rPr lang="en-US" dirty="0"/>
+              <a:t>Implementing simple BC Wallet app</a:t>
             </a:r>
           </a:p>
           <a:p>
@@ -6199,13 +6200,29 @@
             <a:pPr lvl="1"/>
             <a:r>
               <a:rPr lang="en-US" dirty="0"/>
-              <a:t>Two components (Deposit </a:t>
-            </a:r>
-            <a:r>
-              <a:rPr lang="en-US"/>
-              <a:t>+ Withdraw)</a:t>
-            </a:r>
-            <a:endParaRPr lang="en-US" dirty="0"/>
+              <a:t>Table data rendering </a:t>
+            </a:r>
+          </a:p>
+          <a:p>
+            <a:pPr lvl="1"/>
+            <a:r>
+              <a:rPr lang="en-US" dirty="0"/>
+              <a:t>Adding withdraw and deposit functionality</a:t>
+            </a:r>
+          </a:p>
+          <a:p>
+            <a:pPr lvl="1"/>
+            <a:r>
+              <a:rPr lang="en-US" dirty="0"/>
+              <a:t>Migrating functionality into two components (Deposit + Withdraw)</a:t>
+            </a:r>
+          </a:p>
+          <a:p>
+            <a:pPr lvl="1"/>
+            <a:r>
+              <a:rPr lang="en-US" dirty="0"/>
+              <a:t>Styling with Bootstrap</a:t>
+            </a:r>
           </a:p>
           <a:p>
             <a:endParaRPr lang="en-US" dirty="0"/>
@@ -6247,158 +6264,6 @@
           <p:cNvPr id="2" name="Title 1">
             <a:extLst>
               <a:ext uri="{FF2B5EF4-FFF2-40B4-BE49-F238E27FC236}">
-                <a16:creationId xmlns:a16="http://schemas.microsoft.com/office/drawing/2014/main" id="{AF604C05-F783-4268-A935-85D814B31CFE}"/>
-              </a:ext>
-            </a:extLst>
-          </p:cNvPr>
-          <p:cNvSpPr>
-            <a:spLocks noGrp="1"/>
-          </p:cNvSpPr>
-          <p:nvPr>
-            <p:ph type="title"/>
-          </p:nvPr>
-        </p:nvSpPr>
-        <p:spPr/>
-        <p:txBody>
-          <a:bodyPr/>
-          <a:lstStyle/>
-          <a:p>
-            <a:r>
-              <a:rPr lang="en-US" dirty="0" err="1"/>
-              <a:t>Vue</a:t>
-            </a:r>
-            <a:r>
-              <a:rPr lang="en-US" dirty="0"/>
-              <a:t> – comparison with other </a:t>
-            </a:r>
-            <a:r>
-              <a:rPr lang="en-US" dirty="0" err="1"/>
-              <a:t>js</a:t>
-            </a:r>
-            <a:r>
-              <a:rPr lang="en-US" dirty="0"/>
-              <a:t> </a:t>
-            </a:r>
-            <a:r>
-              <a:rPr lang="en-US" dirty="0" err="1"/>
-              <a:t>fws</a:t>
-            </a:r>
-            <a:endParaRPr lang="en-US" dirty="0"/>
-          </a:p>
-        </p:txBody>
-      </p:sp>
-      <p:sp>
-        <p:nvSpPr>
-          <p:cNvPr id="3" name="Content Placeholder 2">
-            <a:extLst>
-              <a:ext uri="{FF2B5EF4-FFF2-40B4-BE49-F238E27FC236}">
-                <a16:creationId xmlns:a16="http://schemas.microsoft.com/office/drawing/2014/main" id="{A4DAF2A1-5CB9-4A50-AEA6-1D8C33A4A7CD}"/>
-              </a:ext>
-            </a:extLst>
-          </p:cNvPr>
-          <p:cNvSpPr>
-            <a:spLocks noGrp="1"/>
-          </p:cNvSpPr>
-          <p:nvPr>
-            <p:ph idx="1"/>
-          </p:nvPr>
-        </p:nvSpPr>
-        <p:spPr/>
-        <p:txBody>
-          <a:bodyPr/>
-          <a:lstStyle/>
-          <a:p>
-            <a:r>
-              <a:rPr lang="en-US" dirty="0"/>
-              <a:t>JS FW Comparison: </a:t>
-            </a:r>
-            <a:r>
-              <a:rPr lang="en-US" dirty="0">
-                <a:hlinkClick r:id="rId2"/>
-              </a:rPr>
-              <a:t>https://vuejs.org/v2/guide/comparison.html</a:t>
-            </a:r>
-            <a:endParaRPr lang="en-US" dirty="0"/>
-          </a:p>
-          <a:p>
-            <a:pPr lvl="1"/>
-            <a:r>
-              <a:rPr lang="en-US" dirty="0"/>
-              <a:t>React ( +template option instead of JSX, </a:t>
-            </a:r>
-            <a:r>
-              <a:rPr lang="en-US" dirty="0" err="1"/>
-              <a:t>Vuex</a:t>
-            </a:r>
-            <a:r>
-              <a:rPr lang="en-US" dirty="0"/>
-              <a:t>/Redux similarity )</a:t>
-            </a:r>
-          </a:p>
-          <a:p>
-            <a:pPr lvl="1"/>
-            <a:r>
-              <a:rPr lang="en-US" dirty="0"/>
-              <a:t>Angular 1/2 (+ quicker learn path, more efficient, less complex)</a:t>
-            </a:r>
-          </a:p>
-          <a:p>
-            <a:pPr lvl="1"/>
-            <a:r>
-              <a:rPr lang="en-US" dirty="0"/>
-              <a:t>Ember</a:t>
-            </a:r>
-          </a:p>
-          <a:p>
-            <a:pPr lvl="1"/>
-            <a:r>
-              <a:rPr lang="en-US" dirty="0">
-                <a:hlinkClick r:id="rId3"/>
-              </a:rPr>
-              <a:t>http://stefankrause.net/js-frameworks-benchmark4/webdriver-ts/table.html</a:t>
-            </a:r>
-            <a:endParaRPr lang="en-US" dirty="0"/>
-          </a:p>
-          <a:p>
-            <a:endParaRPr lang="en-US" dirty="0"/>
-          </a:p>
-        </p:txBody>
-      </p:sp>
-    </p:spTree>
-    <p:extLst>
-      <p:ext uri="{BB962C8B-B14F-4D97-AF65-F5344CB8AC3E}">
-        <p14:creationId xmlns:p14="http://schemas.microsoft.com/office/powerpoint/2010/main" val="4222582631"/>
-      </p:ext>
-    </p:extLst>
-  </p:cSld>
-  <p:clrMapOvr>
-    <a:masterClrMapping/>
-  </p:clrMapOvr>
-</p:sld>
-</file>
-
-<file path=ppt/slides/slide4.xml><?xml version="1.0" encoding="utf-8"?>
-<p:sld xmlns:a="http://schemas.openxmlformats.org/drawingml/2006/main" xmlns:r="http://schemas.openxmlformats.org/officeDocument/2006/relationships" xmlns:p="http://schemas.openxmlformats.org/presentationml/2006/main">
-  <p:cSld>
-    <p:spTree>
-      <p:nvGrpSpPr>
-        <p:cNvPr id="1" name=""/>
-        <p:cNvGrpSpPr/>
-        <p:nvPr/>
-      </p:nvGrpSpPr>
-      <p:grpSpPr>
-        <a:xfrm>
-          <a:off x="0" y="0"/>
-          <a:ext cx="0" cy="0"/>
-          <a:chOff x="0" y="0"/>
-          <a:chExt cx="0" cy="0"/>
-        </a:xfrm>
-      </p:grpSpPr>
-      <p:sp>
-        <p:nvSpPr>
-          <p:cNvPr id="2" name="Title 1">
-            <a:extLst>
-              <a:ext uri="{FF2B5EF4-FFF2-40B4-BE49-F238E27FC236}">
                 <a16:creationId xmlns:a16="http://schemas.microsoft.com/office/drawing/2014/main" id="{F7EA34D8-FF28-4BBD-B2FC-003D071C0878}"/>
               </a:ext>
             </a:extLst>
@@ -6449,7 +6314,13 @@
           <a:p>
             <a:r>
               <a:rPr lang="en-US" dirty="0"/>
-              <a:t>Data driven architecture - </a:t>
+              <a:t>Data driven architecture </a:t>
+            </a:r>
+          </a:p>
+          <a:p>
+            <a:r>
+              <a:rPr lang="en-US" dirty="0"/>
+              <a:t>Single page apps (</a:t>
             </a:r>
             <a:r>
               <a:rPr lang="en-US" dirty="0" err="1"/>
@@ -6457,13 +6328,7 @@
             </a:r>
             <a:r>
               <a:rPr lang="en-US" dirty="0"/>
-              <a:t> (store)</a:t>
-            </a:r>
-          </a:p>
-          <a:p>
-            <a:r>
-              <a:rPr lang="en-US" dirty="0"/>
-              <a:t>Single page apps</a:t>
+              <a:t>)</a:t>
             </a:r>
           </a:p>
           <a:p>
@@ -6521,8 +6386,8 @@
         </p:blipFill>
         <p:spPr>
           <a:xfrm>
-            <a:off x="5952990" y="2060575"/>
-            <a:ext cx="4395788" cy="2842302"/>
+            <a:off x="5462432" y="2060574"/>
+            <a:ext cx="4886346" cy="3159495"/>
           </a:xfrm>
         </p:spPr>
       </p:pic>
@@ -6539,7 +6404,7 @@
 </p:sld>
 </file>
 
-<file path=ppt/slides/slide5.xml><?xml version="1.0" encoding="utf-8"?>
+<file path=ppt/slides/slide4.xml><?xml version="1.0" encoding="utf-8"?>
 <p:sld xmlns:a="http://schemas.openxmlformats.org/drawingml/2006/main" xmlns:r="http://schemas.openxmlformats.org/officeDocument/2006/relationships" xmlns:p="http://schemas.openxmlformats.org/presentationml/2006/main">
   <p:cSld>
     <p:spTree>
@@ -6719,6 +6584,154 @@
 </p:sld>
 </file>
 
+<file path=ppt/slides/slide5.xml><?xml version="1.0" encoding="utf-8"?>
+<p:sld xmlns:a="http://schemas.openxmlformats.org/drawingml/2006/main" xmlns:r="http://schemas.openxmlformats.org/officeDocument/2006/relationships" xmlns:p="http://schemas.openxmlformats.org/presentationml/2006/main">
+  <p:cSld>
+    <p:spTree>
+      <p:nvGrpSpPr>
+        <p:cNvPr id="1" name=""/>
+        <p:cNvGrpSpPr/>
+        <p:nvPr/>
+      </p:nvGrpSpPr>
+      <p:grpSpPr>
+        <a:xfrm>
+          <a:off x="0" y="0"/>
+          <a:ext cx="0" cy="0"/>
+          <a:chOff x="0" y="0"/>
+          <a:chExt cx="0" cy="0"/>
+        </a:xfrm>
+      </p:grpSpPr>
+      <p:sp>
+        <p:nvSpPr>
+          <p:cNvPr id="2" name="Title 1">
+            <a:extLst>
+              <a:ext uri="{FF2B5EF4-FFF2-40B4-BE49-F238E27FC236}">
+                <a16:creationId xmlns:a16="http://schemas.microsoft.com/office/drawing/2014/main" id="{AF604C05-F783-4268-A935-85D814B31CFE}"/>
+              </a:ext>
+            </a:extLst>
+          </p:cNvPr>
+          <p:cNvSpPr>
+            <a:spLocks noGrp="1"/>
+          </p:cNvSpPr>
+          <p:nvPr>
+            <p:ph type="title"/>
+          </p:nvPr>
+        </p:nvSpPr>
+        <p:spPr/>
+        <p:txBody>
+          <a:bodyPr/>
+          <a:lstStyle/>
+          <a:p>
+            <a:r>
+              <a:rPr lang="en-US" dirty="0" err="1"/>
+              <a:t>Vue</a:t>
+            </a:r>
+            <a:r>
+              <a:rPr lang="en-US" dirty="0"/>
+              <a:t> – comparison with </a:t>
+            </a:r>
+            <a:r>
+              <a:rPr lang="en-US"/>
+              <a:t>other JS </a:t>
+            </a:r>
+            <a:r>
+              <a:rPr lang="en-US" dirty="0" err="1"/>
+              <a:t>fws</a:t>
+            </a:r>
+            <a:endParaRPr lang="en-US" dirty="0"/>
+          </a:p>
+        </p:txBody>
+      </p:sp>
+      <p:sp>
+        <p:nvSpPr>
+          <p:cNvPr id="3" name="Content Placeholder 2">
+            <a:extLst>
+              <a:ext uri="{FF2B5EF4-FFF2-40B4-BE49-F238E27FC236}">
+                <a16:creationId xmlns:a16="http://schemas.microsoft.com/office/drawing/2014/main" id="{A4DAF2A1-5CB9-4A50-AEA6-1D8C33A4A7CD}"/>
+              </a:ext>
+            </a:extLst>
+          </p:cNvPr>
+          <p:cNvSpPr>
+            <a:spLocks noGrp="1"/>
+          </p:cNvSpPr>
+          <p:nvPr>
+            <p:ph idx="1"/>
+          </p:nvPr>
+        </p:nvSpPr>
+        <p:spPr/>
+        <p:txBody>
+          <a:bodyPr/>
+          <a:lstStyle/>
+          <a:p>
+            <a:r>
+              <a:rPr lang="en-US" dirty="0"/>
+              <a:t>JS FW Comparison: </a:t>
+            </a:r>
+            <a:r>
+              <a:rPr lang="en-US" dirty="0">
+                <a:hlinkClick r:id="rId2"/>
+              </a:rPr>
+              <a:t>https://vuejs.org/v2/guide/comparison.html</a:t>
+            </a:r>
+            <a:endParaRPr lang="en-US" dirty="0"/>
+          </a:p>
+          <a:p>
+            <a:pPr lvl="1"/>
+            <a:r>
+              <a:rPr lang="en-US" dirty="0"/>
+              <a:t>React ( +template option instead of JSX, </a:t>
+            </a:r>
+            <a:r>
+              <a:rPr lang="en-US" dirty="0" err="1"/>
+              <a:t>Vuex</a:t>
+            </a:r>
+            <a:r>
+              <a:rPr lang="en-US" dirty="0"/>
+              <a:t>/Redux similarity )</a:t>
+            </a:r>
+          </a:p>
+          <a:p>
+            <a:pPr lvl="1"/>
+            <a:r>
+              <a:rPr lang="en-US" dirty="0"/>
+              <a:t>Angular 1/2 (+ quicker learn path, more efficient, less complex)</a:t>
+            </a:r>
+          </a:p>
+          <a:p>
+            <a:pPr lvl="1"/>
+            <a:r>
+              <a:rPr lang="en-US" dirty="0"/>
+              <a:t>Others …</a:t>
+            </a:r>
+          </a:p>
+          <a:p>
+            <a:pPr lvl="1"/>
+            <a:r>
+              <a:rPr lang="en-US" dirty="0">
+                <a:hlinkClick r:id="rId3"/>
+              </a:rPr>
+              <a:t>http://stefankrause.net/js-frameworks-benchmark4/webdriver-ts/table.html</a:t>
+            </a:r>
+            <a:endParaRPr lang="en-US" dirty="0"/>
+          </a:p>
+          <a:p>
+            <a:endParaRPr lang="en-US" dirty="0"/>
+          </a:p>
+        </p:txBody>
+      </p:sp>
+    </p:spTree>
+    <p:extLst>
+      <p:ext uri="{BB962C8B-B14F-4D97-AF65-F5344CB8AC3E}">
+        <p14:creationId xmlns:p14="http://schemas.microsoft.com/office/powerpoint/2010/main" val="4222582631"/>
+      </p:ext>
+    </p:extLst>
+  </p:cSld>
+  <p:clrMapOvr>
+    <a:masterClrMapping/>
+  </p:clrMapOvr>
+</p:sld>
+</file>
+
 <file path=ppt/slides/slide6.xml><?xml version="1.0" encoding="utf-8"?>
 <p:sld xmlns:a="http://schemas.openxmlformats.org/drawingml/2006/main" xmlns:r="http://schemas.openxmlformats.org/officeDocument/2006/relationships" xmlns:p="http://schemas.openxmlformats.org/presentationml/2006/main">
   <p:cSld>
@@ -6759,7 +6772,23 @@
           <a:p>
             <a:r>
               <a:rPr lang="en-US" dirty="0"/>
-              <a:t>Installation</a:t>
+              <a:t>Implementation (</a:t>
+            </a:r>
+            <a:r>
+              <a:rPr lang="en-US" dirty="0" err="1"/>
+              <a:t>Vue</a:t>
+            </a:r>
+            <a:r>
+              <a:rPr lang="en-US" dirty="0"/>
+              <a:t> + </a:t>
+            </a:r>
+            <a:r>
+              <a:rPr lang="en-US" dirty="0" err="1"/>
+              <a:t>Webpack</a:t>
+            </a:r>
+            <a:r>
+              <a:rPr lang="en-US" dirty="0"/>
+              <a:t>)</a:t>
             </a:r>
           </a:p>
         </p:txBody>
@@ -6782,8 +6811,8 @@
         </p:nvSpPr>
         <p:spPr>
           <a:xfrm>
-            <a:off x="1038460" y="3550979"/>
-            <a:ext cx="8946541" cy="1066379"/>
+            <a:off x="646111" y="2085113"/>
+            <a:ext cx="8946541" cy="1643508"/>
           </a:xfrm>
         </p:spPr>
         <p:txBody>
@@ -6820,19 +6849,29 @@
             <a:endParaRPr lang="en-US" dirty="0"/>
           </a:p>
           <a:p>
-            <a:endParaRPr lang="en-US" dirty="0"/>
-          </a:p>
-          <a:p>
-            <a:endParaRPr lang="en-US" dirty="0"/>
-          </a:p>
-        </p:txBody>
-      </p:sp>
-      <p:sp>
-        <p:nvSpPr>
-          <p:cNvPr id="7" name="TextBox 6">
+            <a:r>
+              <a:rPr lang="en-US" dirty="0"/>
+              <a:t>REPO URL: </a:t>
+            </a:r>
+            <a:r>
+              <a:rPr lang="en-US" dirty="0">
+                <a:hlinkClick r:id="rId4"/>
+              </a:rPr>
+              <a:t>https://bitbucket.org/maruniakl/bchistory</a:t>
+            </a:r>
+            <a:endParaRPr lang="en-US" dirty="0"/>
+          </a:p>
+          <a:p>
+            <a:endParaRPr lang="en-US" dirty="0"/>
+          </a:p>
+        </p:txBody>
+      </p:sp>
+      <p:sp>
+        <p:nvSpPr>
+          <p:cNvPr id="4" name="TextBox 3">
             <a:extLst>
               <a:ext uri="{FF2B5EF4-FFF2-40B4-BE49-F238E27FC236}">
-                <a16:creationId xmlns:a16="http://schemas.microsoft.com/office/drawing/2014/main" id="{19F86237-5C8C-4A01-B03D-6487B6D2F8AB}"/>
+                <a16:creationId xmlns:a16="http://schemas.microsoft.com/office/drawing/2014/main" id="{B2135DFD-6269-4A1B-BB6A-FDC042130B4C}"/>
               </a:ext>
             </a:extLst>
           </p:cNvPr>
@@ -6841,9 +6880,106 @@
         </p:nvSpPr>
         <p:spPr>
           <a:xfrm>
-            <a:off x="1368357" y="1796374"/>
-            <a:ext cx="7036341" cy="1477328"/>
+            <a:off x="888963" y="5379868"/>
+            <a:ext cx="530915" cy="646331"/>
           </a:xfrm>
+          <a:prstGeom prst="rect">
+            <a:avLst/>
+          </a:prstGeom>
+          <a:noFill/>
+        </p:spPr>
+        <p:txBody>
+          <a:bodyPr wrap="none" rtlCol="0">
+            <a:spAutoFit/>
+          </a:bodyPr>
+          <a:lstStyle/>
+          <a:p>
+            <a:pPr marL="342900" indent="-342900">
+              <a:buFont typeface="Arial" panose="020B0604020202020204" pitchFamily="34" charset="0"/>
+              <a:buChar char="•"/>
+            </a:pPr>
+            <a:endParaRPr lang="en-US" dirty="0"/>
+          </a:p>
+          <a:p>
+            <a:endParaRPr lang="en-US" dirty="0"/>
+          </a:p>
+        </p:txBody>
+      </p:sp>
+    </p:spTree>
+    <p:extLst>
+      <p:ext uri="{BB962C8B-B14F-4D97-AF65-F5344CB8AC3E}">
+        <p14:creationId xmlns:p14="http://schemas.microsoft.com/office/powerpoint/2010/main" val="1093884717"/>
+      </p:ext>
+    </p:extLst>
+  </p:cSld>
+  <p:clrMapOvr>
+    <a:masterClrMapping/>
+  </p:clrMapOvr>
+</p:sld>
+</file>
+
+<file path=ppt/slides/slide7.xml><?xml version="1.0" encoding="utf-8"?>
+<p:sld xmlns:a="http://schemas.openxmlformats.org/drawingml/2006/main" xmlns:r="http://schemas.openxmlformats.org/officeDocument/2006/relationships" xmlns:p="http://schemas.openxmlformats.org/presentationml/2006/main">
+  <p:cSld>
+    <p:spTree>
+      <p:nvGrpSpPr>
+        <p:cNvPr id="1" name=""/>
+        <p:cNvGrpSpPr/>
+        <p:nvPr/>
+      </p:nvGrpSpPr>
+      <p:grpSpPr>
+        <a:xfrm>
+          <a:off x="0" y="0"/>
+          <a:ext cx="0" cy="0"/>
+          <a:chOff x="0" y="0"/>
+          <a:chExt cx="0" cy="0"/>
+        </a:xfrm>
+      </p:grpSpPr>
+      <p:sp>
+        <p:nvSpPr>
+          <p:cNvPr id="17" name="Title 16">
+            <a:extLst>
+              <a:ext uri="{FF2B5EF4-FFF2-40B4-BE49-F238E27FC236}">
+                <a16:creationId xmlns:a16="http://schemas.microsoft.com/office/drawing/2014/main" id="{2E1BCA2D-1325-42D7-B6D4-5361D97AB8D0}"/>
+              </a:ext>
+            </a:extLst>
+          </p:cNvPr>
+          <p:cNvSpPr>
+            <a:spLocks noGrp="1"/>
+          </p:cNvSpPr>
+          <p:nvPr>
+            <p:ph type="title"/>
+          </p:nvPr>
+        </p:nvSpPr>
+        <p:spPr/>
+        <p:txBody>
+          <a:bodyPr/>
+          <a:lstStyle/>
+          <a:p>
+            <a:r>
+              <a:rPr lang="en-US" dirty="0"/>
+              <a:t>Happy Coding ! ;)</a:t>
+            </a:r>
+          </a:p>
+        </p:txBody>
+      </p:sp>
+      <p:sp>
+        <p:nvSpPr>
+          <p:cNvPr id="19" name="Text Placeholder 18">
+            <a:extLst>
+              <a:ext uri="{FF2B5EF4-FFF2-40B4-BE49-F238E27FC236}">
+                <a16:creationId xmlns:a16="http://schemas.microsoft.com/office/drawing/2014/main" id="{F8C1AF42-394D-4E77-837E-69E88D9CC86E}"/>
+              </a:ext>
+            </a:extLst>
+          </p:cNvPr>
+          <p:cNvSpPr txBox="1">
+            <a:spLocks noGrp="1"/>
+          </p:cNvSpPr>
+          <p:nvPr>
+            <p:ph type="body" sz="half" idx="2"/>
+          </p:nvPr>
+        </p:nvSpPr>
+        <p:spPr>
           <a:prstGeom prst="rect">
             <a:avLst/>
           </a:prstGeom>
@@ -7033,7 +7169,7 @@
     </p:spTree>
     <p:extLst>
       <p:ext uri="{BB962C8B-B14F-4D97-AF65-F5344CB8AC3E}">
-        <p14:creationId xmlns:p14="http://schemas.microsoft.com/office/powerpoint/2010/main" val="1093884717"/>
+        <p14:creationId xmlns:p14="http://schemas.microsoft.com/office/powerpoint/2010/main" val="1382654573"/>
       </p:ext>
     </p:extLst>
   </p:cSld>

--- a/VUE.pptx
+++ b/VUE.pptx
@@ -9,9 +9,10 @@
     <p:sldId id="258" r:id="rId3"/>
     <p:sldId id="260" r:id="rId4"/>
     <p:sldId id="261" r:id="rId5"/>
-    <p:sldId id="259" r:id="rId6"/>
-    <p:sldId id="257" r:id="rId7"/>
-    <p:sldId id="262" r:id="rId8"/>
+    <p:sldId id="263" r:id="rId6"/>
+    <p:sldId id="259" r:id="rId7"/>
+    <p:sldId id="257" r:id="rId8"/>
+    <p:sldId id="262" r:id="rId9"/>
   </p:sldIdLst>
   <p:sldSz cx="12192000" cy="6858000"/>
   <p:notesSz cx="6858000" cy="9144000"/>
@@ -308,7 +309,7 @@
           <a:p>
             <a:fld id="{4AAD347D-5ACD-4C99-B74B-A9C85AD731AF}" type="datetimeFigureOut">
               <a:rPr lang="en-US" dirty="0"/>
-              <a:t>9/14/2017</a:t>
+              <a:t>9/19/2017</a:t>
             </a:fld>
             <a:endParaRPr lang="en-US" dirty="0"/>
           </a:p>
@@ -578,7 +579,7 @@
           <a:p>
             <a:fld id="{4509A250-FF31-4206-8172-F9D3106AACB1}" type="datetimeFigureOut">
               <a:rPr lang="en-US" dirty="0"/>
-              <a:t>9/14/2017</a:t>
+              <a:t>9/19/2017</a:t>
             </a:fld>
             <a:endParaRPr lang="en-US" dirty="0"/>
           </a:p>
@@ -767,7 +768,7 @@
           <a:p>
             <a:fld id="{4509A250-FF31-4206-8172-F9D3106AACB1}" type="datetimeFigureOut">
               <a:rPr lang="en-US" dirty="0"/>
-              <a:t>9/14/2017</a:t>
+              <a:t>9/19/2017</a:t>
             </a:fld>
             <a:endParaRPr lang="en-US" dirty="0"/>
           </a:p>
@@ -1035,7 +1036,7 @@
           <a:p>
             <a:fld id="{4509A250-FF31-4206-8172-F9D3106AACB1}" type="datetimeFigureOut">
               <a:rPr lang="en-US" dirty="0"/>
-              <a:t>9/14/2017</a:t>
+              <a:t>9/19/2017</a:t>
             </a:fld>
             <a:endParaRPr lang="en-US" dirty="0"/>
           </a:p>
@@ -1371,7 +1372,7 @@
           <a:p>
             <a:fld id="{4509A250-FF31-4206-8172-F9D3106AACB1}" type="datetimeFigureOut">
               <a:rPr lang="en-US" dirty="0"/>
-              <a:t>9/14/2017</a:t>
+              <a:t>9/19/2017</a:t>
             </a:fld>
             <a:endParaRPr lang="en-US" dirty="0"/>
           </a:p>
@@ -1989,7 +1990,7 @@
           <a:p>
             <a:fld id="{4509A250-FF31-4206-8172-F9D3106AACB1}" type="datetimeFigureOut">
               <a:rPr lang="en-US" dirty="0"/>
-              <a:t>9/14/2017</a:t>
+              <a:t>9/19/2017</a:t>
             </a:fld>
             <a:endParaRPr lang="en-US" dirty="0"/>
           </a:p>
@@ -2844,7 +2845,7 @@
           <a:p>
             <a:fld id="{4509A250-FF31-4206-8172-F9D3106AACB1}" type="datetimeFigureOut">
               <a:rPr lang="en-US" dirty="0"/>
-              <a:t>9/14/2017</a:t>
+              <a:t>9/19/2017</a:t>
             </a:fld>
             <a:endParaRPr lang="en-US" dirty="0"/>
           </a:p>
@@ -3009,7 +3010,7 @@
           <a:p>
             <a:fld id="{4509A250-FF31-4206-8172-F9D3106AACB1}" type="datetimeFigureOut">
               <a:rPr lang="en-US" dirty="0"/>
-              <a:t>9/14/2017</a:t>
+              <a:t>9/19/2017</a:t>
             </a:fld>
             <a:endParaRPr lang="en-US" dirty="0"/>
           </a:p>
@@ -3184,7 +3185,7 @@
           <a:p>
             <a:fld id="{4509A250-FF31-4206-8172-F9D3106AACB1}" type="datetimeFigureOut">
               <a:rPr lang="en-US" dirty="0"/>
-              <a:t>9/14/2017</a:t>
+              <a:t>9/19/2017</a:t>
             </a:fld>
             <a:endParaRPr lang="en-US" dirty="0"/>
           </a:p>
@@ -3349,7 +3350,7 @@
           <a:p>
             <a:fld id="{4509A250-FF31-4206-8172-F9D3106AACB1}" type="datetimeFigureOut">
               <a:rPr lang="en-US" dirty="0"/>
-              <a:t>9/14/2017</a:t>
+              <a:t>9/19/2017</a:t>
             </a:fld>
             <a:endParaRPr lang="en-US" dirty="0"/>
           </a:p>
@@ -3591,7 +3592,7 @@
           <a:p>
             <a:fld id="{9796027F-7875-4030-9381-8BD8C4F21935}" type="datetimeFigureOut">
               <a:rPr lang="en-US" dirty="0"/>
-              <a:t>9/14/2017</a:t>
+              <a:t>9/19/2017</a:t>
             </a:fld>
             <a:endParaRPr lang="en-US" dirty="0"/>
           </a:p>
@@ -3878,7 +3879,7 @@
           <a:p>
             <a:fld id="{9796027F-7875-4030-9381-8BD8C4F21935}" type="datetimeFigureOut">
               <a:rPr lang="en-US" dirty="0"/>
-              <a:t>9/14/2017</a:t>
+              <a:t>9/19/2017</a:t>
             </a:fld>
             <a:endParaRPr lang="en-US" dirty="0"/>
           </a:p>
@@ -4317,7 +4318,7 @@
           <a:p>
             <a:fld id="{9796027F-7875-4030-9381-8BD8C4F21935}" type="datetimeFigureOut">
               <a:rPr lang="en-US" dirty="0"/>
-              <a:t>9/14/2017</a:t>
+              <a:t>9/19/2017</a:t>
             </a:fld>
             <a:endParaRPr lang="en-US" dirty="0"/>
           </a:p>
@@ -4430,7 +4431,7 @@
           <a:p>
             <a:fld id="{4509A250-FF31-4206-8172-F9D3106AACB1}" type="datetimeFigureOut">
               <a:rPr lang="en-US" dirty="0"/>
-              <a:t>9/14/2017</a:t>
+              <a:t>9/19/2017</a:t>
             </a:fld>
             <a:endParaRPr lang="en-US" dirty="0"/>
           </a:p>
@@ -4520,7 +4521,7 @@
           <a:p>
             <a:fld id="{4509A250-FF31-4206-8172-F9D3106AACB1}" type="datetimeFigureOut">
               <a:rPr lang="en-US" dirty="0"/>
-              <a:t>9/14/2017</a:t>
+              <a:t>9/19/2017</a:t>
             </a:fld>
             <a:endParaRPr lang="en-US" dirty="0"/>
           </a:p>
@@ -4794,7 +4795,7 @@
           <a:p>
             <a:fld id="{4509A250-FF31-4206-8172-F9D3106AACB1}" type="datetimeFigureOut">
               <a:rPr lang="en-US" dirty="0"/>
-              <a:t>9/14/2017</a:t>
+              <a:t>9/19/2017</a:t>
             </a:fld>
             <a:endParaRPr lang="en-US" dirty="0"/>
           </a:p>
@@ -5064,7 +5065,7 @@
           <a:p>
             <a:fld id="{4509A250-FF31-4206-8172-F9D3106AACB1}" type="datetimeFigureOut">
               <a:rPr lang="en-US" dirty="0"/>
-              <a:t>9/14/2017</a:t>
+              <a:t>9/19/2017</a:t>
             </a:fld>
             <a:endParaRPr lang="en-US" dirty="0"/>
           </a:p>
@@ -5488,7 +5489,7 @@
           <a:p>
             <a:fld id="{4AAD347D-5ACD-4C99-B74B-A9C85AD731AF}" type="datetimeFigureOut">
               <a:rPr lang="en-US" dirty="0"/>
-              <a:t>9/14/2017</a:t>
+              <a:t>9/19/2017</a:t>
             </a:fld>
             <a:endParaRPr lang="en-US" dirty="0"/>
           </a:p>
@@ -6606,7 +6607,7 @@
           <p:cNvPr id="2" name="Title 1">
             <a:extLst>
               <a:ext uri="{FF2B5EF4-FFF2-40B4-BE49-F238E27FC236}">
-                <a16:creationId xmlns:a16="http://schemas.microsoft.com/office/drawing/2014/main" id="{AF604C05-F783-4268-A935-85D814B31CFE}"/>
+                <a16:creationId xmlns:a16="http://schemas.microsoft.com/office/drawing/2014/main" id="{F18BC288-96C2-4E50-A775-12B78D7B3742}"/>
               </a:ext>
             </a:extLst>
           </p:cNvPr>
@@ -6623,31 +6624,18 @@
           <a:lstStyle/>
           <a:p>
             <a:r>
-              <a:rPr lang="en-US" dirty="0" err="1"/>
-              <a:t>Vue</a:t>
-            </a:r>
-            <a:r>
-              <a:rPr lang="en-US" dirty="0"/>
-              <a:t> – comparison with </a:t>
-            </a:r>
-            <a:r>
-              <a:rPr lang="en-US"/>
-              <a:t>other JS </a:t>
-            </a:r>
-            <a:r>
-              <a:rPr lang="en-US" dirty="0" err="1"/>
-              <a:t>fws</a:t>
-            </a:r>
-            <a:endParaRPr lang="en-US" dirty="0"/>
-          </a:p>
-        </p:txBody>
-      </p:sp>
-      <p:sp>
-        <p:nvSpPr>
-          <p:cNvPr id="3" name="Content Placeholder 2">
+              <a:rPr lang="en-US" dirty="0"/>
+              <a:t>Single File Components</a:t>
+            </a:r>
+          </a:p>
+        </p:txBody>
+      </p:sp>
+      <p:sp>
+        <p:nvSpPr>
+          <p:cNvPr id="6" name="Content Placeholder 5">
             <a:extLst>
               <a:ext uri="{FF2B5EF4-FFF2-40B4-BE49-F238E27FC236}">
-                <a16:creationId xmlns:a16="http://schemas.microsoft.com/office/drawing/2014/main" id="{A4DAF2A1-5CB9-4A50-AEA6-1D8C33A4A7CD}"/>
+                <a16:creationId xmlns:a16="http://schemas.microsoft.com/office/drawing/2014/main" id="{232DAEEB-6446-4AD7-BC4C-F51D0CA2B7F9}"/>
               </a:ext>
             </a:extLst>
           </p:cNvPr>
@@ -6664,57 +6652,60 @@
           <a:lstStyle/>
           <a:p>
             <a:r>
-              <a:rPr lang="en-US" dirty="0"/>
-              <a:t>JS FW Comparison: </a:t>
-            </a:r>
-            <a:r>
               <a:rPr lang="en-US" dirty="0">
                 <a:hlinkClick r:id="rId2"/>
               </a:rPr>
-              <a:t>https://vuejs.org/v2/guide/comparison.html</a:t>
-            </a:r>
-            <a:endParaRPr lang="en-US" dirty="0"/>
-          </a:p>
-          <a:p>
-            <a:pPr lvl="1"/>
-            <a:r>
-              <a:rPr lang="en-US" dirty="0"/>
-              <a:t>React ( +template option instead of JSX, </a:t>
-            </a:r>
-            <a:r>
-              <a:rPr lang="en-US" dirty="0" err="1"/>
-              <a:t>Vuex</a:t>
-            </a:r>
-            <a:r>
-              <a:rPr lang="en-US" dirty="0"/>
-              <a:t>/Redux similarity )</a:t>
-            </a:r>
-          </a:p>
-          <a:p>
-            <a:pPr lvl="1"/>
-            <a:r>
-              <a:rPr lang="en-US" dirty="0"/>
-              <a:t>Angular 1/2 (+ quicker learn path, more efficient, less complex)</a:t>
-            </a:r>
-          </a:p>
-          <a:p>
-            <a:pPr lvl="1"/>
-            <a:r>
-              <a:rPr lang="en-US" dirty="0"/>
-              <a:t>Others …</a:t>
-            </a:r>
-          </a:p>
-          <a:p>
-            <a:pPr lvl="1"/>
-            <a:r>
-              <a:rPr lang="en-US" dirty="0">
-                <a:hlinkClick r:id="rId3"/>
-              </a:rPr>
-              <a:t>http://stefankrause.net/js-frameworks-benchmark4/webdriver-ts/table.html</a:t>
-            </a:r>
-            <a:endParaRPr lang="en-US" dirty="0"/>
-          </a:p>
-          <a:p>
+              <a:t>Documentation</a:t>
+            </a:r>
+            <a:endParaRPr lang="en-US" dirty="0"/>
+          </a:p>
+          <a:p>
+            <a:endParaRPr lang="en-US" dirty="0"/>
+          </a:p>
+          <a:p>
+            <a:r>
+              <a:rPr lang="en-US" b="1" dirty="0"/>
+              <a:t>Global definitions</a:t>
+            </a:r>
+            <a:r>
+              <a:rPr lang="en-US" dirty="0"/>
+              <a:t> force unique names for every component</a:t>
+            </a:r>
+          </a:p>
+          <a:p>
+            <a:r>
+              <a:rPr lang="en-US" b="1" dirty="0"/>
+              <a:t>String templates</a:t>
+            </a:r>
+            <a:r>
+              <a:rPr lang="en-US" dirty="0"/>
+              <a:t> lack syntax highlighting and require ugly slashes for multiline HTML</a:t>
+            </a:r>
+          </a:p>
+          <a:p>
+            <a:r>
+              <a:rPr lang="en-US" b="1" dirty="0"/>
+              <a:t>No CSS support</a:t>
+            </a:r>
+            <a:r>
+              <a:rPr lang="en-US" dirty="0"/>
+              <a:t> means that while HTML and JavaScript are modularized into components, CSS is conspicuously left out</a:t>
+            </a:r>
+          </a:p>
+          <a:p>
+            <a:r>
+              <a:rPr lang="en-US" b="1" dirty="0"/>
+              <a:t>No build step</a:t>
+            </a:r>
+            <a:r>
+              <a:rPr lang="en-US" dirty="0"/>
+              <a:t> restricts us to HTML and ES5 JavaScript, rather than preprocessors like Pug (formerly Jade) and Babel</a:t>
+            </a:r>
+          </a:p>
+          <a:p>
+            <a:pPr marL="0" indent="0">
+              <a:buNone/>
+            </a:pPr>
             <a:endParaRPr lang="en-US" dirty="0"/>
           </a:p>
         </p:txBody>
@@ -6722,7 +6713,7 @@
     </p:spTree>
     <p:extLst>
       <p:ext uri="{BB962C8B-B14F-4D97-AF65-F5344CB8AC3E}">
-        <p14:creationId xmlns:p14="http://schemas.microsoft.com/office/powerpoint/2010/main" val="4222582631"/>
+        <p14:creationId xmlns:p14="http://schemas.microsoft.com/office/powerpoint/2010/main" val="4245917939"/>
       </p:ext>
     </p:extLst>
   </p:cSld>
@@ -6754,7 +6745,7 @@
           <p:cNvPr id="2" name="Title 1">
             <a:extLst>
               <a:ext uri="{FF2B5EF4-FFF2-40B4-BE49-F238E27FC236}">
-                <a16:creationId xmlns:a16="http://schemas.microsoft.com/office/drawing/2014/main" id="{943AA008-A791-4359-8755-96B4F8567938}"/>
+                <a16:creationId xmlns:a16="http://schemas.microsoft.com/office/drawing/2014/main" id="{AF604C05-F783-4268-A935-85D814B31CFE}"/>
               </a:ext>
             </a:extLst>
           </p:cNvPr>
@@ -6771,25 +6762,22 @@
           <a:lstStyle/>
           <a:p>
             <a:r>
-              <a:rPr lang="en-US" dirty="0"/>
-              <a:t>Implementation (</a:t>
-            </a:r>
-            <a:r>
               <a:rPr lang="en-US" dirty="0" err="1"/>
               <a:t>Vue</a:t>
             </a:r>
             <a:r>
               <a:rPr lang="en-US" dirty="0"/>
-              <a:t> + </a:t>
+              <a:t> – comparison with </a:t>
+            </a:r>
+            <a:r>
+              <a:rPr lang="en-US"/>
+              <a:t>other JS </a:t>
             </a:r>
             <a:r>
               <a:rPr lang="en-US" dirty="0" err="1"/>
-              <a:t>Webpack</a:t>
-            </a:r>
-            <a:r>
-              <a:rPr lang="en-US" dirty="0"/>
-              <a:t>)</a:t>
-            </a:r>
+              <a:t>fws</a:t>
+            </a:r>
+            <a:endParaRPr lang="en-US" dirty="0"/>
           </a:p>
         </p:txBody>
       </p:sp>
@@ -6798,7 +6786,7 @@
           <p:cNvPr id="3" name="Content Placeholder 2">
             <a:extLst>
               <a:ext uri="{FF2B5EF4-FFF2-40B4-BE49-F238E27FC236}">
-                <a16:creationId xmlns:a16="http://schemas.microsoft.com/office/drawing/2014/main" id="{730DD61B-354D-47ED-827F-EC23D7902B47}"/>
+                <a16:creationId xmlns:a16="http://schemas.microsoft.com/office/drawing/2014/main" id="{A4DAF2A1-5CB9-4A50-AEA6-1D8C33A4A7CD}"/>
               </a:ext>
             </a:extLst>
           </p:cNvPr>
@@ -6809,95 +6797,60 @@
             <p:ph idx="1"/>
           </p:nvPr>
         </p:nvSpPr>
-        <p:spPr>
-          <a:xfrm>
-            <a:off x="646111" y="2085113"/>
-            <a:ext cx="8946541" cy="1643508"/>
-          </a:xfrm>
-        </p:spPr>
-        <p:txBody>
-          <a:bodyPr/>
-          <a:lstStyle/>
-          <a:p>
-            <a:r>
-              <a:rPr lang="en-US" dirty="0" err="1"/>
-              <a:t>Webpack</a:t>
-            </a:r>
-            <a:r>
-              <a:rPr lang="en-US" dirty="0"/>
-              <a:t> template: </a:t>
+        <p:spPr/>
+        <p:txBody>
+          <a:bodyPr/>
+          <a:lstStyle/>
+          <a:p>
+            <a:r>
+              <a:rPr lang="en-US" dirty="0"/>
+              <a:t>JS FW Comparison: </a:t>
             </a:r>
             <a:r>
               <a:rPr lang="en-US" dirty="0">
                 <a:hlinkClick r:id="rId2"/>
               </a:rPr>
-              <a:t>http://vuejs-templates.github.io/webpack/</a:t>
-            </a:r>
-            <a:endParaRPr lang="en-US" dirty="0"/>
-          </a:p>
-          <a:p>
-            <a:r>
-              <a:rPr lang="en-US" dirty="0"/>
-              <a:t>Project configuration: </a:t>
-            </a:r>
+              <a:t>https://vuejs.org/v2/guide/comparison.html</a:t>
+            </a:r>
+            <a:endParaRPr lang="en-US" dirty="0"/>
+          </a:p>
+          <a:p>
+            <a:pPr lvl="1"/>
+            <a:r>
+              <a:rPr lang="en-US" dirty="0"/>
+              <a:t>React ( +template option instead of JSX, </a:t>
+            </a:r>
+            <a:r>
+              <a:rPr lang="en-US" dirty="0" err="1"/>
+              <a:t>Vuex</a:t>
+            </a:r>
+            <a:r>
+              <a:rPr lang="en-US" dirty="0"/>
+              <a:t>/Redux similarity )</a:t>
+            </a:r>
+          </a:p>
+          <a:p>
+            <a:pPr lvl="1"/>
+            <a:r>
+              <a:rPr lang="en-US" dirty="0"/>
+              <a:t>Angular 1/2 (+ quicker learn path, more efficient, less complex)</a:t>
+            </a:r>
+          </a:p>
+          <a:p>
+            <a:pPr lvl="1"/>
+            <a:r>
+              <a:rPr lang="en-US" dirty="0"/>
+              <a:t>Others …</a:t>
+            </a:r>
+          </a:p>
+          <a:p>
+            <a:pPr lvl="1"/>
             <a:r>
               <a:rPr lang="en-US" dirty="0">
                 <a:hlinkClick r:id="rId3"/>
               </a:rPr>
-              <a:t>https://vue-loader.vuejs.org/en/</a:t>
-            </a:r>
-            <a:endParaRPr lang="en-US" dirty="0"/>
-          </a:p>
-          <a:p>
-            <a:r>
-              <a:rPr lang="en-US" dirty="0"/>
-              <a:t>REPO URL: </a:t>
-            </a:r>
-            <a:r>
-              <a:rPr lang="en-US" dirty="0">
-                <a:hlinkClick r:id="rId4"/>
-              </a:rPr>
-              <a:t>https://bitbucket.org/maruniakl/bchistory</a:t>
-            </a:r>
-            <a:endParaRPr lang="en-US" dirty="0"/>
-          </a:p>
-          <a:p>
-            <a:endParaRPr lang="en-US" dirty="0"/>
-          </a:p>
-        </p:txBody>
-      </p:sp>
-      <p:sp>
-        <p:nvSpPr>
-          <p:cNvPr id="4" name="TextBox 3">
-            <a:extLst>
-              <a:ext uri="{FF2B5EF4-FFF2-40B4-BE49-F238E27FC236}">
-                <a16:creationId xmlns:a16="http://schemas.microsoft.com/office/drawing/2014/main" id="{B2135DFD-6269-4A1B-BB6A-FDC042130B4C}"/>
-              </a:ext>
-            </a:extLst>
-          </p:cNvPr>
-          <p:cNvSpPr txBox="1"/>
-          <p:nvPr/>
-        </p:nvSpPr>
-        <p:spPr>
-          <a:xfrm>
-            <a:off x="888963" y="5379868"/>
-            <a:ext cx="530915" cy="646331"/>
-          </a:xfrm>
-          <a:prstGeom prst="rect">
-            <a:avLst/>
-          </a:prstGeom>
-          <a:noFill/>
-        </p:spPr>
-        <p:txBody>
-          <a:bodyPr wrap="none" rtlCol="0">
-            <a:spAutoFit/>
-          </a:bodyPr>
-          <a:lstStyle/>
-          <a:p>
-            <a:pPr marL="342900" indent="-342900">
-              <a:buFont typeface="Arial" panose="020B0604020202020204" pitchFamily="34" charset="0"/>
-              <a:buChar char="•"/>
-            </a:pPr>
+              <a:t>http://stefankrause.net/js-frameworks-benchmark4/webdriver-ts/table.html</a:t>
+            </a:r>
             <a:endParaRPr lang="en-US" dirty="0"/>
           </a:p>
           <a:p>
@@ -6908,7 +6861,7 @@
     </p:spTree>
     <p:extLst>
       <p:ext uri="{BB962C8B-B14F-4D97-AF65-F5344CB8AC3E}">
-        <p14:creationId xmlns:p14="http://schemas.microsoft.com/office/powerpoint/2010/main" val="1093884717"/>
+        <p14:creationId xmlns:p14="http://schemas.microsoft.com/office/powerpoint/2010/main" val="4222582631"/>
       </p:ext>
     </p:extLst>
   </p:cSld>
@@ -6937,6 +6890,176 @@
       </p:grpSpPr>
       <p:sp>
         <p:nvSpPr>
+          <p:cNvPr id="2" name="Title 1">
+            <a:extLst>
+              <a:ext uri="{FF2B5EF4-FFF2-40B4-BE49-F238E27FC236}">
+                <a16:creationId xmlns:a16="http://schemas.microsoft.com/office/drawing/2014/main" id="{943AA008-A791-4359-8755-96B4F8567938}"/>
+              </a:ext>
+            </a:extLst>
+          </p:cNvPr>
+          <p:cNvSpPr>
+            <a:spLocks noGrp="1"/>
+          </p:cNvSpPr>
+          <p:nvPr>
+            <p:ph type="title"/>
+          </p:nvPr>
+        </p:nvSpPr>
+        <p:spPr/>
+        <p:txBody>
+          <a:bodyPr/>
+          <a:lstStyle/>
+          <a:p>
+            <a:r>
+              <a:rPr lang="en-US" dirty="0"/>
+              <a:t>Implementation (</a:t>
+            </a:r>
+            <a:r>
+              <a:rPr lang="en-US" dirty="0" err="1"/>
+              <a:t>Vue</a:t>
+            </a:r>
+            <a:r>
+              <a:rPr lang="en-US" dirty="0"/>
+              <a:t> + </a:t>
+            </a:r>
+            <a:r>
+              <a:rPr lang="en-US" dirty="0" err="1"/>
+              <a:t>Webpack</a:t>
+            </a:r>
+            <a:r>
+              <a:rPr lang="en-US" dirty="0"/>
+              <a:t>)</a:t>
+            </a:r>
+          </a:p>
+        </p:txBody>
+      </p:sp>
+      <p:sp>
+        <p:nvSpPr>
+          <p:cNvPr id="3" name="Content Placeholder 2">
+            <a:extLst>
+              <a:ext uri="{FF2B5EF4-FFF2-40B4-BE49-F238E27FC236}">
+                <a16:creationId xmlns:a16="http://schemas.microsoft.com/office/drawing/2014/main" id="{730DD61B-354D-47ED-827F-EC23D7902B47}"/>
+              </a:ext>
+            </a:extLst>
+          </p:cNvPr>
+          <p:cNvSpPr>
+            <a:spLocks noGrp="1"/>
+          </p:cNvSpPr>
+          <p:nvPr>
+            <p:ph idx="1"/>
+          </p:nvPr>
+        </p:nvSpPr>
+        <p:spPr>
+          <a:xfrm>
+            <a:off x="646111" y="2085113"/>
+            <a:ext cx="8946541" cy="1643508"/>
+          </a:xfrm>
+        </p:spPr>
+        <p:txBody>
+          <a:bodyPr/>
+          <a:lstStyle/>
+          <a:p>
+            <a:r>
+              <a:rPr lang="en-US" dirty="0" err="1"/>
+              <a:t>Webpack</a:t>
+            </a:r>
+            <a:r>
+              <a:rPr lang="en-US" dirty="0"/>
+              <a:t> template: </a:t>
+            </a:r>
+            <a:r>
+              <a:rPr lang="en-US" dirty="0">
+                <a:hlinkClick r:id="rId2"/>
+              </a:rPr>
+              <a:t>http://vuejs-templates.github.io/webpack/</a:t>
+            </a:r>
+            <a:endParaRPr lang="en-US" dirty="0"/>
+          </a:p>
+          <a:p>
+            <a:r>
+              <a:rPr lang="en-US" dirty="0"/>
+              <a:t>Project configuration: </a:t>
+            </a:r>
+            <a:r>
+              <a:rPr lang="en-US" dirty="0">
+                <a:hlinkClick r:id="rId3"/>
+              </a:rPr>
+              <a:t>https://vue-loader.vuejs.org/en/</a:t>
+            </a:r>
+            <a:endParaRPr lang="en-US" dirty="0"/>
+          </a:p>
+        </p:txBody>
+      </p:sp>
+      <p:sp>
+        <p:nvSpPr>
+          <p:cNvPr id="4" name="TextBox 3">
+            <a:extLst>
+              <a:ext uri="{FF2B5EF4-FFF2-40B4-BE49-F238E27FC236}">
+                <a16:creationId xmlns:a16="http://schemas.microsoft.com/office/drawing/2014/main" id="{B2135DFD-6269-4A1B-BB6A-FDC042130B4C}"/>
+              </a:ext>
+            </a:extLst>
+          </p:cNvPr>
+          <p:cNvSpPr txBox="1"/>
+          <p:nvPr/>
+        </p:nvSpPr>
+        <p:spPr>
+          <a:xfrm>
+            <a:off x="888963" y="5379868"/>
+            <a:ext cx="530915" cy="646331"/>
+          </a:xfrm>
+          <a:prstGeom prst="rect">
+            <a:avLst/>
+          </a:prstGeom>
+          <a:noFill/>
+        </p:spPr>
+        <p:txBody>
+          <a:bodyPr wrap="none" rtlCol="0">
+            <a:spAutoFit/>
+          </a:bodyPr>
+          <a:lstStyle/>
+          <a:p>
+            <a:pPr marL="342900" indent="-342900">
+              <a:buFont typeface="Arial" panose="020B0604020202020204" pitchFamily="34" charset="0"/>
+              <a:buChar char="•"/>
+            </a:pPr>
+            <a:endParaRPr lang="en-US" dirty="0"/>
+          </a:p>
+          <a:p>
+            <a:endParaRPr lang="en-US" dirty="0"/>
+          </a:p>
+        </p:txBody>
+      </p:sp>
+    </p:spTree>
+    <p:extLst>
+      <p:ext uri="{BB962C8B-B14F-4D97-AF65-F5344CB8AC3E}">
+        <p14:creationId xmlns:p14="http://schemas.microsoft.com/office/powerpoint/2010/main" val="1093884717"/>
+      </p:ext>
+    </p:extLst>
+  </p:cSld>
+  <p:clrMapOvr>
+    <a:masterClrMapping/>
+  </p:clrMapOvr>
+</p:sld>
+</file>
+
+<file path=ppt/slides/slide8.xml><?xml version="1.0" encoding="utf-8"?>
+<p:sld xmlns:a="http://schemas.openxmlformats.org/drawingml/2006/main" xmlns:r="http://schemas.openxmlformats.org/officeDocument/2006/relationships" xmlns:p="http://schemas.openxmlformats.org/presentationml/2006/main">
+  <p:cSld>
+    <p:spTree>
+      <p:nvGrpSpPr>
+        <p:cNvPr id="1" name=""/>
+        <p:cNvGrpSpPr/>
+        <p:nvPr/>
+      </p:nvGrpSpPr>
+      <p:grpSpPr>
+        <a:xfrm>
+          <a:off x="0" y="0"/>
+          <a:ext cx="0" cy="0"/>
+          <a:chOff x="0" y="0"/>
+          <a:chExt cx="0" cy="0"/>
+        </a:xfrm>
+      </p:grpSpPr>
+      <p:sp>
+        <p:nvSpPr>
           <p:cNvPr id="17" name="Title 16">
             <a:extLst>
               <a:ext uri="{FF2B5EF4-FFF2-40B4-BE49-F238E27FC236}">
@@ -6980,6 +7103,10 @@
           </p:nvPr>
         </p:nvSpPr>
         <p:spPr>
+          <a:xfrm>
+            <a:off x="1154953" y="2846267"/>
+            <a:ext cx="8825659" cy="3611245"/>
+          </a:xfrm>
           <a:prstGeom prst="rect">
             <a:avLst/>
           </a:prstGeom>
@@ -7163,6 +7290,30 @@
               <a:rPr lang="en-US" dirty="0"/>
               <a:t> run dev</a:t>
             </a:r>
+          </a:p>
+          <a:p>
+            <a:endParaRPr lang="en-US" dirty="0"/>
+          </a:p>
+          <a:p>
+            <a:endParaRPr lang="en-US" dirty="0"/>
+          </a:p>
+          <a:p>
+            <a:r>
+              <a:rPr lang="en-US" dirty="0">
+                <a:hlinkClick r:id="rId2"/>
+              </a:rPr>
+              <a:t>https://github.com/lukasmakac/bchistory</a:t>
+            </a:r>
+            <a:endParaRPr lang="en-US" dirty="0"/>
+          </a:p>
+          <a:p>
+            <a:r>
+              <a:rPr lang="en-US" dirty="0">
+                <a:hlinkClick r:id="rId3"/>
+              </a:rPr>
+              <a:t>https://bitbucket.org/maruniakl/bchistory</a:t>
+            </a:r>
+            <a:endParaRPr lang="en-US" dirty="0"/>
           </a:p>
         </p:txBody>
       </p:sp>
